--- a/2. Solving Recurrences/Tree Method.pptx
+++ b/2. Solving Recurrences/Tree Method.pptx
@@ -263,7 +263,7 @@
           <a:p>
             <a:fld id="{5F6D5A34-67A6-4804-988A-04D09AFA8AB2}" type="datetimeFigureOut">
               <a:rPr lang="en-US" smtClean="0"/>
-              <a:t>1/4/2022</a:t>
+              <a:t>1/8/2022</a:t>
             </a:fld>
             <a:endParaRPr lang="en-US"/>
           </a:p>
@@ -473,7 +473,7 @@
           <a:p>
             <a:fld id="{5F6D5A34-67A6-4804-988A-04D09AFA8AB2}" type="datetimeFigureOut">
               <a:rPr lang="en-US" smtClean="0"/>
-              <a:t>1/4/2022</a:t>
+              <a:t>1/8/2022</a:t>
             </a:fld>
             <a:endParaRPr lang="en-US"/>
           </a:p>
@@ -693,7 +693,7 @@
           <a:p>
             <a:fld id="{5F6D5A34-67A6-4804-988A-04D09AFA8AB2}" type="datetimeFigureOut">
               <a:rPr lang="en-US" smtClean="0"/>
-              <a:t>1/4/2022</a:t>
+              <a:t>1/8/2022</a:t>
             </a:fld>
             <a:endParaRPr lang="en-US"/>
           </a:p>
@@ -903,7 +903,7 @@
           <a:p>
             <a:fld id="{5F6D5A34-67A6-4804-988A-04D09AFA8AB2}" type="datetimeFigureOut">
               <a:rPr lang="en-US" smtClean="0"/>
-              <a:t>1/4/2022</a:t>
+              <a:t>1/8/2022</a:t>
             </a:fld>
             <a:endParaRPr lang="en-US"/>
           </a:p>
@@ -1190,7 +1190,7 @@
           <a:p>
             <a:fld id="{5F6D5A34-67A6-4804-988A-04D09AFA8AB2}" type="datetimeFigureOut">
               <a:rPr lang="en-US" smtClean="0"/>
-              <a:t>1/4/2022</a:t>
+              <a:t>1/8/2022</a:t>
             </a:fld>
             <a:endParaRPr lang="en-US"/>
           </a:p>
@@ -1467,7 +1467,7 @@
           <a:p>
             <a:fld id="{5F6D5A34-67A6-4804-988A-04D09AFA8AB2}" type="datetimeFigureOut">
               <a:rPr lang="en-US" smtClean="0"/>
-              <a:t>1/4/2022</a:t>
+              <a:t>1/8/2022</a:t>
             </a:fld>
             <a:endParaRPr lang="en-US"/>
           </a:p>
@@ -1891,7 +1891,7 @@
           <a:p>
             <a:fld id="{5F6D5A34-67A6-4804-988A-04D09AFA8AB2}" type="datetimeFigureOut">
               <a:rPr lang="en-US" smtClean="0"/>
-              <a:t>1/4/2022</a:t>
+              <a:t>1/8/2022</a:t>
             </a:fld>
             <a:endParaRPr lang="en-US"/>
           </a:p>
@@ -2044,7 +2044,7 @@
           <a:p>
             <a:fld id="{5F6D5A34-67A6-4804-988A-04D09AFA8AB2}" type="datetimeFigureOut">
               <a:rPr lang="en-US" smtClean="0"/>
-              <a:t>1/4/2022</a:t>
+              <a:t>1/8/2022</a:t>
             </a:fld>
             <a:endParaRPr lang="en-US"/>
           </a:p>
@@ -2169,7 +2169,7 @@
           <a:p>
             <a:fld id="{5F6D5A34-67A6-4804-988A-04D09AFA8AB2}" type="datetimeFigureOut">
               <a:rPr lang="en-US" smtClean="0"/>
-              <a:t>1/4/2022</a:t>
+              <a:t>1/8/2022</a:t>
             </a:fld>
             <a:endParaRPr lang="en-US"/>
           </a:p>
@@ -2492,7 +2492,7 @@
           <a:p>
             <a:fld id="{5F6D5A34-67A6-4804-988A-04D09AFA8AB2}" type="datetimeFigureOut">
               <a:rPr lang="en-US" smtClean="0"/>
-              <a:t>1/4/2022</a:t>
+              <a:t>1/8/2022</a:t>
             </a:fld>
             <a:endParaRPr lang="en-US"/>
           </a:p>
@@ -2792,7 +2792,7 @@
           <a:p>
             <a:fld id="{5F6D5A34-67A6-4804-988A-04D09AFA8AB2}" type="datetimeFigureOut">
               <a:rPr lang="en-US" smtClean="0"/>
-              <a:t>1/4/2022</a:t>
+              <a:t>1/8/2022</a:t>
             </a:fld>
             <a:endParaRPr lang="en-US"/>
           </a:p>
@@ -3045,7 +3045,7 @@
           <a:p>
             <a:fld id="{5F6D5A34-67A6-4804-988A-04D09AFA8AB2}" type="datetimeFigureOut">
               <a:rPr lang="en-US" smtClean="0"/>
-              <a:t>1/4/2022</a:t>
+              <a:t>1/8/2022</a:t>
             </a:fld>
             <a:endParaRPr lang="en-US"/>
           </a:p>
